--- a/ppt 16-9/0450.请听主柔声对.pptx
+++ b/ppt 16-9/0450.请听主柔声对.pptx
@@ -5,7 +5,7 @@
     <p:sldMasterId id="2147483648" r:id="rId1"/>
   </p:sldMasterIdLst>
   <p:sldIdLst>
-    <p:sldId id="2941" r:id="rId2"/>
+    <p:sldId id="2943" r:id="rId2"/>
   </p:sldIdLst>
   <p:sldSz cx="12192000" cy="6858000"/>
   <p:notesSz cx="6858000" cy="9144000"/>
@@ -129,7 +129,7 @@
           <p:cNvPr id="2" name="标题 1">
             <a:extLst>
               <a:ext uri="{FF2B5EF4-FFF2-40B4-BE49-F238E27FC236}">
-                <a16:creationId xmlns:a16="http://schemas.microsoft.com/office/drawing/2014/main" id="{B7526937-4F12-31A8-45C3-88F1A3A8C28E}"/>
+                <a16:creationId xmlns:a16="http://schemas.microsoft.com/office/drawing/2014/main" id="{6300EC0C-4B39-4D04-C969-27A7F6F19225}"/>
               </a:ext>
             </a:extLst>
           </p:cNvPr>
@@ -166,7 +166,7 @@
           <p:cNvPr id="3" name="副标题 2">
             <a:extLst>
               <a:ext uri="{FF2B5EF4-FFF2-40B4-BE49-F238E27FC236}">
-                <a16:creationId xmlns:a16="http://schemas.microsoft.com/office/drawing/2014/main" id="{5958C7D8-A608-E0B1-76AF-A6BC4BF4CF40}"/>
+                <a16:creationId xmlns:a16="http://schemas.microsoft.com/office/drawing/2014/main" id="{B39BAF2C-1D41-42C5-F172-B450E930DF01}"/>
               </a:ext>
             </a:extLst>
           </p:cNvPr>
@@ -236,7 +236,7 @@
           <p:cNvPr id="4" name="日期占位符 3">
             <a:extLst>
               <a:ext uri="{FF2B5EF4-FFF2-40B4-BE49-F238E27FC236}">
-                <a16:creationId xmlns:a16="http://schemas.microsoft.com/office/drawing/2014/main" id="{0800721C-84D0-E404-5442-C3A6058173B8}"/>
+                <a16:creationId xmlns:a16="http://schemas.microsoft.com/office/drawing/2014/main" id="{7EE6544D-2795-7695-4FA5-C8137BBB4883}"/>
               </a:ext>
             </a:extLst>
           </p:cNvPr>
@@ -252,7 +252,7 @@
           <a:bodyPr/>
           <a:lstStyle/>
           <a:p>
-            <a:fld id="{E7F42EB3-182D-445D-BC3F-D6C843DD0C2A}" type="datetimeFigureOut">
+            <a:fld id="{95B4D13E-EA07-405C-A882-0DECE759809E}" type="datetimeFigureOut">
               <a:rPr lang="zh-CN" altLang="en-US" smtClean="0"/>
               <a:t>2024/3/10</a:t>
             </a:fld>
@@ -265,7 +265,7 @@
           <p:cNvPr id="5" name="页脚占位符 4">
             <a:extLst>
               <a:ext uri="{FF2B5EF4-FFF2-40B4-BE49-F238E27FC236}">
-                <a16:creationId xmlns:a16="http://schemas.microsoft.com/office/drawing/2014/main" id="{7A0C302A-638E-B5A6-F351-95F2C2D52560}"/>
+                <a16:creationId xmlns:a16="http://schemas.microsoft.com/office/drawing/2014/main" id="{F69A2BEF-0525-B8DC-2E16-B0E0684F3877}"/>
               </a:ext>
             </a:extLst>
           </p:cNvPr>
@@ -290,7 +290,7 @@
           <p:cNvPr id="6" name="灯片编号占位符 5">
             <a:extLst>
               <a:ext uri="{FF2B5EF4-FFF2-40B4-BE49-F238E27FC236}">
-                <a16:creationId xmlns:a16="http://schemas.microsoft.com/office/drawing/2014/main" id="{A8268253-0D29-12ED-69B9-FD8AF1DE89E1}"/>
+                <a16:creationId xmlns:a16="http://schemas.microsoft.com/office/drawing/2014/main" id="{F40C2E97-2EE2-2F23-5C91-F9B67EB20821}"/>
               </a:ext>
             </a:extLst>
           </p:cNvPr>
@@ -306,7 +306,7 @@
           <a:bodyPr/>
           <a:lstStyle/>
           <a:p>
-            <a:fld id="{CE28D184-7D20-49E2-9A56-759B304C0EB0}" type="slidenum">
+            <a:fld id="{6F4574D5-AA95-4DF9-A1DF-21574FE7E4BD}" type="slidenum">
               <a:rPr lang="zh-CN" altLang="en-US" smtClean="0"/>
               <a:t>‹#›</a:t>
             </a:fld>
@@ -317,7 +317,7 @@
     </p:spTree>
     <p:extLst>
       <p:ext uri="{BB962C8B-B14F-4D97-AF65-F5344CB8AC3E}">
-        <p14:creationId xmlns:p14="http://schemas.microsoft.com/office/powerpoint/2010/main" val="3505337633"/>
+        <p14:creationId xmlns:p14="http://schemas.microsoft.com/office/powerpoint/2010/main" val="464367572"/>
       </p:ext>
     </p:extLst>
   </p:cSld>
@@ -349,7 +349,7 @@
           <p:cNvPr id="2" name="标题 1">
             <a:extLst>
               <a:ext uri="{FF2B5EF4-FFF2-40B4-BE49-F238E27FC236}">
-                <a16:creationId xmlns:a16="http://schemas.microsoft.com/office/drawing/2014/main" id="{08118BD6-C7D6-789F-5DAF-2A94AB4194E4}"/>
+                <a16:creationId xmlns:a16="http://schemas.microsoft.com/office/drawing/2014/main" id="{8EB8D019-1C9F-54C3-4FF2-AAA68C505358}"/>
               </a:ext>
             </a:extLst>
           </p:cNvPr>
@@ -377,7 +377,7 @@
           <p:cNvPr id="3" name="竖排文字占位符 2">
             <a:extLst>
               <a:ext uri="{FF2B5EF4-FFF2-40B4-BE49-F238E27FC236}">
-                <a16:creationId xmlns:a16="http://schemas.microsoft.com/office/drawing/2014/main" id="{37D7F801-6CA3-A395-2F6D-234DE4D1C39D}"/>
+                <a16:creationId xmlns:a16="http://schemas.microsoft.com/office/drawing/2014/main" id="{09060FBC-1B4B-B8D6-D042-73D689951A9A}"/>
               </a:ext>
             </a:extLst>
           </p:cNvPr>
@@ -434,7 +434,7 @@
           <p:cNvPr id="4" name="日期占位符 3">
             <a:extLst>
               <a:ext uri="{FF2B5EF4-FFF2-40B4-BE49-F238E27FC236}">
-                <a16:creationId xmlns:a16="http://schemas.microsoft.com/office/drawing/2014/main" id="{CEFF3DA8-FFA5-DE3C-D3DF-764AD13982CF}"/>
+                <a16:creationId xmlns:a16="http://schemas.microsoft.com/office/drawing/2014/main" id="{6E7B9D68-941B-51F9-898F-31414E772A33}"/>
               </a:ext>
             </a:extLst>
           </p:cNvPr>
@@ -450,7 +450,7 @@
           <a:bodyPr/>
           <a:lstStyle/>
           <a:p>
-            <a:fld id="{E7F42EB3-182D-445D-BC3F-D6C843DD0C2A}" type="datetimeFigureOut">
+            <a:fld id="{95B4D13E-EA07-405C-A882-0DECE759809E}" type="datetimeFigureOut">
               <a:rPr lang="zh-CN" altLang="en-US" smtClean="0"/>
               <a:t>2024/3/10</a:t>
             </a:fld>
@@ -463,7 +463,7 @@
           <p:cNvPr id="5" name="页脚占位符 4">
             <a:extLst>
               <a:ext uri="{FF2B5EF4-FFF2-40B4-BE49-F238E27FC236}">
-                <a16:creationId xmlns:a16="http://schemas.microsoft.com/office/drawing/2014/main" id="{6F5C0AD5-003F-B683-8583-A482E6C571A2}"/>
+                <a16:creationId xmlns:a16="http://schemas.microsoft.com/office/drawing/2014/main" id="{594A8675-BAE8-6758-98FD-0555A52870DA}"/>
               </a:ext>
             </a:extLst>
           </p:cNvPr>
@@ -488,7 +488,7 @@
           <p:cNvPr id="6" name="灯片编号占位符 5">
             <a:extLst>
               <a:ext uri="{FF2B5EF4-FFF2-40B4-BE49-F238E27FC236}">
-                <a16:creationId xmlns:a16="http://schemas.microsoft.com/office/drawing/2014/main" id="{C26430C5-4A00-F9C5-F68B-2581D3886BB4}"/>
+                <a16:creationId xmlns:a16="http://schemas.microsoft.com/office/drawing/2014/main" id="{96034D53-6F94-D2A9-D3BD-33CCF4789C6F}"/>
               </a:ext>
             </a:extLst>
           </p:cNvPr>
@@ -504,7 +504,7 @@
           <a:bodyPr/>
           <a:lstStyle/>
           <a:p>
-            <a:fld id="{CE28D184-7D20-49E2-9A56-759B304C0EB0}" type="slidenum">
+            <a:fld id="{6F4574D5-AA95-4DF9-A1DF-21574FE7E4BD}" type="slidenum">
               <a:rPr lang="zh-CN" altLang="en-US" smtClean="0"/>
               <a:t>‹#›</a:t>
             </a:fld>
@@ -515,7 +515,7 @@
     </p:spTree>
     <p:extLst>
       <p:ext uri="{BB962C8B-B14F-4D97-AF65-F5344CB8AC3E}">
-        <p14:creationId xmlns:p14="http://schemas.microsoft.com/office/powerpoint/2010/main" val="2904481355"/>
+        <p14:creationId xmlns:p14="http://schemas.microsoft.com/office/powerpoint/2010/main" val="2780514141"/>
       </p:ext>
     </p:extLst>
   </p:cSld>
@@ -547,7 +547,7 @@
           <p:cNvPr id="2" name="竖排标题 1">
             <a:extLst>
               <a:ext uri="{FF2B5EF4-FFF2-40B4-BE49-F238E27FC236}">
-                <a16:creationId xmlns:a16="http://schemas.microsoft.com/office/drawing/2014/main" id="{060A6214-0A3E-57E7-3096-10E3CD8B05BF}"/>
+                <a16:creationId xmlns:a16="http://schemas.microsoft.com/office/drawing/2014/main" id="{8146963B-3B27-A662-0203-763DDFB1E6D5}"/>
               </a:ext>
             </a:extLst>
           </p:cNvPr>
@@ -580,7 +580,7 @@
           <p:cNvPr id="3" name="竖排文字占位符 2">
             <a:extLst>
               <a:ext uri="{FF2B5EF4-FFF2-40B4-BE49-F238E27FC236}">
-                <a16:creationId xmlns:a16="http://schemas.microsoft.com/office/drawing/2014/main" id="{FEE8AF70-D808-2676-951B-CAC54AC8C8B3}"/>
+                <a16:creationId xmlns:a16="http://schemas.microsoft.com/office/drawing/2014/main" id="{3E67DD29-D9AB-AAC9-CD75-34F432D7615D}"/>
               </a:ext>
             </a:extLst>
           </p:cNvPr>
@@ -642,7 +642,7 @@
           <p:cNvPr id="4" name="日期占位符 3">
             <a:extLst>
               <a:ext uri="{FF2B5EF4-FFF2-40B4-BE49-F238E27FC236}">
-                <a16:creationId xmlns:a16="http://schemas.microsoft.com/office/drawing/2014/main" id="{86C6E8DD-A5F8-8433-44A5-04CE52DB265B}"/>
+                <a16:creationId xmlns:a16="http://schemas.microsoft.com/office/drawing/2014/main" id="{AA9BBC66-1145-704C-FB96-CC5B5209A9D8}"/>
               </a:ext>
             </a:extLst>
           </p:cNvPr>
@@ -658,7 +658,7 @@
           <a:bodyPr/>
           <a:lstStyle/>
           <a:p>
-            <a:fld id="{E7F42EB3-182D-445D-BC3F-D6C843DD0C2A}" type="datetimeFigureOut">
+            <a:fld id="{95B4D13E-EA07-405C-A882-0DECE759809E}" type="datetimeFigureOut">
               <a:rPr lang="zh-CN" altLang="en-US" smtClean="0"/>
               <a:t>2024/3/10</a:t>
             </a:fld>
@@ -671,7 +671,7 @@
           <p:cNvPr id="5" name="页脚占位符 4">
             <a:extLst>
               <a:ext uri="{FF2B5EF4-FFF2-40B4-BE49-F238E27FC236}">
-                <a16:creationId xmlns:a16="http://schemas.microsoft.com/office/drawing/2014/main" id="{A50419B5-ED60-F0EB-D034-62E618BFF497}"/>
+                <a16:creationId xmlns:a16="http://schemas.microsoft.com/office/drawing/2014/main" id="{0DD6125B-9370-E4E0-9956-1FDA9EA95C06}"/>
               </a:ext>
             </a:extLst>
           </p:cNvPr>
@@ -696,7 +696,7 @@
           <p:cNvPr id="6" name="灯片编号占位符 5">
             <a:extLst>
               <a:ext uri="{FF2B5EF4-FFF2-40B4-BE49-F238E27FC236}">
-                <a16:creationId xmlns:a16="http://schemas.microsoft.com/office/drawing/2014/main" id="{BD64E551-102D-200C-A206-A8BFCC0DD4A0}"/>
+                <a16:creationId xmlns:a16="http://schemas.microsoft.com/office/drawing/2014/main" id="{D29B2750-13F8-B10C-9AFE-B3E365B2D44B}"/>
               </a:ext>
             </a:extLst>
           </p:cNvPr>
@@ -712,7 +712,7 @@
           <a:bodyPr/>
           <a:lstStyle/>
           <a:p>
-            <a:fld id="{CE28D184-7D20-49E2-9A56-759B304C0EB0}" type="slidenum">
+            <a:fld id="{6F4574D5-AA95-4DF9-A1DF-21574FE7E4BD}" type="slidenum">
               <a:rPr lang="zh-CN" altLang="en-US" smtClean="0"/>
               <a:t>‹#›</a:t>
             </a:fld>
@@ -723,7 +723,7 @@
     </p:spTree>
     <p:extLst>
       <p:ext uri="{BB962C8B-B14F-4D97-AF65-F5344CB8AC3E}">
-        <p14:creationId xmlns:p14="http://schemas.microsoft.com/office/powerpoint/2010/main" val="1993687552"/>
+        <p14:creationId xmlns:p14="http://schemas.microsoft.com/office/powerpoint/2010/main" val="977572767"/>
       </p:ext>
     </p:extLst>
   </p:cSld>
@@ -755,7 +755,7 @@
           <p:cNvPr id="2" name="标题 1">
             <a:extLst>
               <a:ext uri="{FF2B5EF4-FFF2-40B4-BE49-F238E27FC236}">
-                <a16:creationId xmlns:a16="http://schemas.microsoft.com/office/drawing/2014/main" id="{9CC5CF46-0A3B-1316-5280-41CD4D71F45E}"/>
+                <a16:creationId xmlns:a16="http://schemas.microsoft.com/office/drawing/2014/main" id="{79698D87-DD39-B4D6-4786-06EEAEE67BFC}"/>
               </a:ext>
             </a:extLst>
           </p:cNvPr>
@@ -783,7 +783,7 @@
           <p:cNvPr id="3" name="内容占位符 2">
             <a:extLst>
               <a:ext uri="{FF2B5EF4-FFF2-40B4-BE49-F238E27FC236}">
-                <a16:creationId xmlns:a16="http://schemas.microsoft.com/office/drawing/2014/main" id="{0778F737-02AC-B517-E189-8978A1EFF24D}"/>
+                <a16:creationId xmlns:a16="http://schemas.microsoft.com/office/drawing/2014/main" id="{1D8BBCD2-BFF8-FEE3-37CB-D997AB4BB94C}"/>
               </a:ext>
             </a:extLst>
           </p:cNvPr>
@@ -840,7 +840,7 @@
           <p:cNvPr id="4" name="日期占位符 3">
             <a:extLst>
               <a:ext uri="{FF2B5EF4-FFF2-40B4-BE49-F238E27FC236}">
-                <a16:creationId xmlns:a16="http://schemas.microsoft.com/office/drawing/2014/main" id="{C93E059A-8D2D-833A-E854-BF86528FDBD3}"/>
+                <a16:creationId xmlns:a16="http://schemas.microsoft.com/office/drawing/2014/main" id="{07D43C65-FC85-7199-F025-4D7C969A76F8}"/>
               </a:ext>
             </a:extLst>
           </p:cNvPr>
@@ -856,7 +856,7 @@
           <a:bodyPr/>
           <a:lstStyle/>
           <a:p>
-            <a:fld id="{E7F42EB3-182D-445D-BC3F-D6C843DD0C2A}" type="datetimeFigureOut">
+            <a:fld id="{95B4D13E-EA07-405C-A882-0DECE759809E}" type="datetimeFigureOut">
               <a:rPr lang="zh-CN" altLang="en-US" smtClean="0"/>
               <a:t>2024/3/10</a:t>
             </a:fld>
@@ -869,7 +869,7 @@
           <p:cNvPr id="5" name="页脚占位符 4">
             <a:extLst>
               <a:ext uri="{FF2B5EF4-FFF2-40B4-BE49-F238E27FC236}">
-                <a16:creationId xmlns:a16="http://schemas.microsoft.com/office/drawing/2014/main" id="{22D453C9-26B8-12D4-DF36-5EEF132D14C7}"/>
+                <a16:creationId xmlns:a16="http://schemas.microsoft.com/office/drawing/2014/main" id="{3C4864D1-376C-390C-BDF7-D194CFA55383}"/>
               </a:ext>
             </a:extLst>
           </p:cNvPr>
@@ -894,7 +894,7 @@
           <p:cNvPr id="6" name="灯片编号占位符 5">
             <a:extLst>
               <a:ext uri="{FF2B5EF4-FFF2-40B4-BE49-F238E27FC236}">
-                <a16:creationId xmlns:a16="http://schemas.microsoft.com/office/drawing/2014/main" id="{67E5FF2D-6F54-6C06-752C-6A243F5B759B}"/>
+                <a16:creationId xmlns:a16="http://schemas.microsoft.com/office/drawing/2014/main" id="{8C38B691-7816-45AE-F4DA-A9DD320A3838}"/>
               </a:ext>
             </a:extLst>
           </p:cNvPr>
@@ -910,7 +910,7 @@
           <a:bodyPr/>
           <a:lstStyle/>
           <a:p>
-            <a:fld id="{CE28D184-7D20-49E2-9A56-759B304C0EB0}" type="slidenum">
+            <a:fld id="{6F4574D5-AA95-4DF9-A1DF-21574FE7E4BD}" type="slidenum">
               <a:rPr lang="zh-CN" altLang="en-US" smtClean="0"/>
               <a:t>‹#›</a:t>
             </a:fld>
@@ -921,7 +921,7 @@
     </p:spTree>
     <p:extLst>
       <p:ext uri="{BB962C8B-B14F-4D97-AF65-F5344CB8AC3E}">
-        <p14:creationId xmlns:p14="http://schemas.microsoft.com/office/powerpoint/2010/main" val="2316102442"/>
+        <p14:creationId xmlns:p14="http://schemas.microsoft.com/office/powerpoint/2010/main" val="2171916712"/>
       </p:ext>
     </p:extLst>
   </p:cSld>
@@ -953,7 +953,7 @@
           <p:cNvPr id="2" name="标题 1">
             <a:extLst>
               <a:ext uri="{FF2B5EF4-FFF2-40B4-BE49-F238E27FC236}">
-                <a16:creationId xmlns:a16="http://schemas.microsoft.com/office/drawing/2014/main" id="{5C94BA1F-33BB-97F6-ADDE-5588393FF114}"/>
+                <a16:creationId xmlns:a16="http://schemas.microsoft.com/office/drawing/2014/main" id="{C53594FC-188F-4F31-CD4B-A79DE0510452}"/>
               </a:ext>
             </a:extLst>
           </p:cNvPr>
@@ -990,7 +990,7 @@
           <p:cNvPr id="3" name="文本占位符 2">
             <a:extLst>
               <a:ext uri="{FF2B5EF4-FFF2-40B4-BE49-F238E27FC236}">
-                <a16:creationId xmlns:a16="http://schemas.microsoft.com/office/drawing/2014/main" id="{ACCB2FC7-DE84-088C-2D92-36073B8E843E}"/>
+                <a16:creationId xmlns:a16="http://schemas.microsoft.com/office/drawing/2014/main" id="{B59A71C4-EC64-3EAC-24FE-F7514AA65A70}"/>
               </a:ext>
             </a:extLst>
           </p:cNvPr>
@@ -1115,7 +1115,7 @@
           <p:cNvPr id="4" name="日期占位符 3">
             <a:extLst>
               <a:ext uri="{FF2B5EF4-FFF2-40B4-BE49-F238E27FC236}">
-                <a16:creationId xmlns:a16="http://schemas.microsoft.com/office/drawing/2014/main" id="{D9CA7C0B-138F-8A08-EC56-DAF3E6FC7A94}"/>
+                <a16:creationId xmlns:a16="http://schemas.microsoft.com/office/drawing/2014/main" id="{E9E17FF1-9FFF-9A35-C46F-AFE2E59D12BB}"/>
               </a:ext>
             </a:extLst>
           </p:cNvPr>
@@ -1131,7 +1131,7 @@
           <a:bodyPr/>
           <a:lstStyle/>
           <a:p>
-            <a:fld id="{E7F42EB3-182D-445D-BC3F-D6C843DD0C2A}" type="datetimeFigureOut">
+            <a:fld id="{95B4D13E-EA07-405C-A882-0DECE759809E}" type="datetimeFigureOut">
               <a:rPr lang="zh-CN" altLang="en-US" smtClean="0"/>
               <a:t>2024/3/10</a:t>
             </a:fld>
@@ -1144,7 +1144,7 @@
           <p:cNvPr id="5" name="页脚占位符 4">
             <a:extLst>
               <a:ext uri="{FF2B5EF4-FFF2-40B4-BE49-F238E27FC236}">
-                <a16:creationId xmlns:a16="http://schemas.microsoft.com/office/drawing/2014/main" id="{EE8B5E13-3DBF-5153-2E62-3FF7D65DAAF4}"/>
+                <a16:creationId xmlns:a16="http://schemas.microsoft.com/office/drawing/2014/main" id="{312F9CCE-5CEB-F380-F4F0-363A2964F967}"/>
               </a:ext>
             </a:extLst>
           </p:cNvPr>
@@ -1169,7 +1169,7 @@
           <p:cNvPr id="6" name="灯片编号占位符 5">
             <a:extLst>
               <a:ext uri="{FF2B5EF4-FFF2-40B4-BE49-F238E27FC236}">
-                <a16:creationId xmlns:a16="http://schemas.microsoft.com/office/drawing/2014/main" id="{23470937-D698-CED2-D17A-7479FC53F20D}"/>
+                <a16:creationId xmlns:a16="http://schemas.microsoft.com/office/drawing/2014/main" id="{1DD39A6C-3540-37A8-8DE9-77D3D31172C4}"/>
               </a:ext>
             </a:extLst>
           </p:cNvPr>
@@ -1185,7 +1185,7 @@
           <a:bodyPr/>
           <a:lstStyle/>
           <a:p>
-            <a:fld id="{CE28D184-7D20-49E2-9A56-759B304C0EB0}" type="slidenum">
+            <a:fld id="{6F4574D5-AA95-4DF9-A1DF-21574FE7E4BD}" type="slidenum">
               <a:rPr lang="zh-CN" altLang="en-US" smtClean="0"/>
               <a:t>‹#›</a:t>
             </a:fld>
@@ -1196,7 +1196,7 @@
     </p:spTree>
     <p:extLst>
       <p:ext uri="{BB962C8B-B14F-4D97-AF65-F5344CB8AC3E}">
-        <p14:creationId xmlns:p14="http://schemas.microsoft.com/office/powerpoint/2010/main" val="2355632846"/>
+        <p14:creationId xmlns:p14="http://schemas.microsoft.com/office/powerpoint/2010/main" val="2260526829"/>
       </p:ext>
     </p:extLst>
   </p:cSld>
@@ -1228,7 +1228,7 @@
           <p:cNvPr id="2" name="标题 1">
             <a:extLst>
               <a:ext uri="{FF2B5EF4-FFF2-40B4-BE49-F238E27FC236}">
-                <a16:creationId xmlns:a16="http://schemas.microsoft.com/office/drawing/2014/main" id="{828EE8A0-51C1-9A2E-3BB1-8F6873C19B25}"/>
+                <a16:creationId xmlns:a16="http://schemas.microsoft.com/office/drawing/2014/main" id="{2CE268FF-84D5-B5AD-99F4-E246E31B2783}"/>
               </a:ext>
             </a:extLst>
           </p:cNvPr>
@@ -1256,7 +1256,7 @@
           <p:cNvPr id="3" name="内容占位符 2">
             <a:extLst>
               <a:ext uri="{FF2B5EF4-FFF2-40B4-BE49-F238E27FC236}">
-                <a16:creationId xmlns:a16="http://schemas.microsoft.com/office/drawing/2014/main" id="{277B0DC5-9236-60F5-E161-E7D239CF02DF}"/>
+                <a16:creationId xmlns:a16="http://schemas.microsoft.com/office/drawing/2014/main" id="{132F9250-2590-1414-FAD1-5666E6D35CCA}"/>
               </a:ext>
             </a:extLst>
           </p:cNvPr>
@@ -1318,7 +1318,7 @@
           <p:cNvPr id="4" name="内容占位符 3">
             <a:extLst>
               <a:ext uri="{FF2B5EF4-FFF2-40B4-BE49-F238E27FC236}">
-                <a16:creationId xmlns:a16="http://schemas.microsoft.com/office/drawing/2014/main" id="{B145D1DF-B4D5-B848-C6F8-6D5E898DE1D4}"/>
+                <a16:creationId xmlns:a16="http://schemas.microsoft.com/office/drawing/2014/main" id="{DF4FA71E-7BB9-BF24-FE21-0C90C91CDD44}"/>
               </a:ext>
             </a:extLst>
           </p:cNvPr>
@@ -1380,7 +1380,7 @@
           <p:cNvPr id="5" name="日期占位符 4">
             <a:extLst>
               <a:ext uri="{FF2B5EF4-FFF2-40B4-BE49-F238E27FC236}">
-                <a16:creationId xmlns:a16="http://schemas.microsoft.com/office/drawing/2014/main" id="{E1C59DEB-2CD7-31F9-D44D-8CAB07E84D9E}"/>
+                <a16:creationId xmlns:a16="http://schemas.microsoft.com/office/drawing/2014/main" id="{159D8B2E-D0B7-2998-CA8B-5FD7BB0600DA}"/>
               </a:ext>
             </a:extLst>
           </p:cNvPr>
@@ -1396,7 +1396,7 @@
           <a:bodyPr/>
           <a:lstStyle/>
           <a:p>
-            <a:fld id="{E7F42EB3-182D-445D-BC3F-D6C843DD0C2A}" type="datetimeFigureOut">
+            <a:fld id="{95B4D13E-EA07-405C-A882-0DECE759809E}" type="datetimeFigureOut">
               <a:rPr lang="zh-CN" altLang="en-US" smtClean="0"/>
               <a:t>2024/3/10</a:t>
             </a:fld>
@@ -1409,7 +1409,7 @@
           <p:cNvPr id="6" name="页脚占位符 5">
             <a:extLst>
               <a:ext uri="{FF2B5EF4-FFF2-40B4-BE49-F238E27FC236}">
-                <a16:creationId xmlns:a16="http://schemas.microsoft.com/office/drawing/2014/main" id="{F193EB70-AA00-516F-B5BC-9EC2A808EDFC}"/>
+                <a16:creationId xmlns:a16="http://schemas.microsoft.com/office/drawing/2014/main" id="{AD3511A5-CDDD-A3B9-CA94-529806737BE5}"/>
               </a:ext>
             </a:extLst>
           </p:cNvPr>
@@ -1434,7 +1434,7 @@
           <p:cNvPr id="7" name="灯片编号占位符 6">
             <a:extLst>
               <a:ext uri="{FF2B5EF4-FFF2-40B4-BE49-F238E27FC236}">
-                <a16:creationId xmlns:a16="http://schemas.microsoft.com/office/drawing/2014/main" id="{70923E5E-5A6E-5C17-2510-889BBBAC5587}"/>
+                <a16:creationId xmlns:a16="http://schemas.microsoft.com/office/drawing/2014/main" id="{EEBE3BDA-92F2-1407-6A10-91E739503EAB}"/>
               </a:ext>
             </a:extLst>
           </p:cNvPr>
@@ -1450,7 +1450,7 @@
           <a:bodyPr/>
           <a:lstStyle/>
           <a:p>
-            <a:fld id="{CE28D184-7D20-49E2-9A56-759B304C0EB0}" type="slidenum">
+            <a:fld id="{6F4574D5-AA95-4DF9-A1DF-21574FE7E4BD}" type="slidenum">
               <a:rPr lang="zh-CN" altLang="en-US" smtClean="0"/>
               <a:t>‹#›</a:t>
             </a:fld>
@@ -1461,7 +1461,7 @@
     </p:spTree>
     <p:extLst>
       <p:ext uri="{BB962C8B-B14F-4D97-AF65-F5344CB8AC3E}">
-        <p14:creationId xmlns:p14="http://schemas.microsoft.com/office/powerpoint/2010/main" val="3662445764"/>
+        <p14:creationId xmlns:p14="http://schemas.microsoft.com/office/powerpoint/2010/main" val="983524579"/>
       </p:ext>
     </p:extLst>
   </p:cSld>
@@ -1493,7 +1493,7 @@
           <p:cNvPr id="2" name="标题 1">
             <a:extLst>
               <a:ext uri="{FF2B5EF4-FFF2-40B4-BE49-F238E27FC236}">
-                <a16:creationId xmlns:a16="http://schemas.microsoft.com/office/drawing/2014/main" id="{0FC44B8E-E138-D9B6-D663-0BF1178C8C4D}"/>
+                <a16:creationId xmlns:a16="http://schemas.microsoft.com/office/drawing/2014/main" id="{2616BB67-FB74-C6AC-2609-792DA5EC6650}"/>
               </a:ext>
             </a:extLst>
           </p:cNvPr>
@@ -1526,7 +1526,7 @@
           <p:cNvPr id="3" name="文本占位符 2">
             <a:extLst>
               <a:ext uri="{FF2B5EF4-FFF2-40B4-BE49-F238E27FC236}">
-                <a16:creationId xmlns:a16="http://schemas.microsoft.com/office/drawing/2014/main" id="{4E438CA7-7B7F-1A73-CE24-401804BF666F}"/>
+                <a16:creationId xmlns:a16="http://schemas.microsoft.com/office/drawing/2014/main" id="{D788AE38-E9E9-5D25-3DF3-4AE40782D0E5}"/>
               </a:ext>
             </a:extLst>
           </p:cNvPr>
@@ -1597,7 +1597,7 @@
           <p:cNvPr id="4" name="内容占位符 3">
             <a:extLst>
               <a:ext uri="{FF2B5EF4-FFF2-40B4-BE49-F238E27FC236}">
-                <a16:creationId xmlns:a16="http://schemas.microsoft.com/office/drawing/2014/main" id="{CE81913C-EE2C-1CC3-31AC-0DF6C3EF6D6B}"/>
+                <a16:creationId xmlns:a16="http://schemas.microsoft.com/office/drawing/2014/main" id="{261568EC-D4AA-4F8C-F24A-80444CA1C236}"/>
               </a:ext>
             </a:extLst>
           </p:cNvPr>
@@ -1659,7 +1659,7 @@
           <p:cNvPr id="5" name="文本占位符 4">
             <a:extLst>
               <a:ext uri="{FF2B5EF4-FFF2-40B4-BE49-F238E27FC236}">
-                <a16:creationId xmlns:a16="http://schemas.microsoft.com/office/drawing/2014/main" id="{129E2184-DBC4-59FC-2040-A942E914A1E7}"/>
+                <a16:creationId xmlns:a16="http://schemas.microsoft.com/office/drawing/2014/main" id="{271B642B-EBD5-325A-0C60-7241BD82B4F4}"/>
               </a:ext>
             </a:extLst>
           </p:cNvPr>
@@ -1730,7 +1730,7 @@
           <p:cNvPr id="6" name="内容占位符 5">
             <a:extLst>
               <a:ext uri="{FF2B5EF4-FFF2-40B4-BE49-F238E27FC236}">
-                <a16:creationId xmlns:a16="http://schemas.microsoft.com/office/drawing/2014/main" id="{2CA2BF91-2D0E-0FFD-3F56-446699122EDE}"/>
+                <a16:creationId xmlns:a16="http://schemas.microsoft.com/office/drawing/2014/main" id="{01F3133F-2629-8A72-FC15-CDD68375A088}"/>
               </a:ext>
             </a:extLst>
           </p:cNvPr>
@@ -1792,7 +1792,7 @@
           <p:cNvPr id="7" name="日期占位符 6">
             <a:extLst>
               <a:ext uri="{FF2B5EF4-FFF2-40B4-BE49-F238E27FC236}">
-                <a16:creationId xmlns:a16="http://schemas.microsoft.com/office/drawing/2014/main" id="{4660512B-641F-82D7-452C-0C47F21F043B}"/>
+                <a16:creationId xmlns:a16="http://schemas.microsoft.com/office/drawing/2014/main" id="{AEEFE956-0F6F-C0A6-ADFE-7ED5EAA8B6C0}"/>
               </a:ext>
             </a:extLst>
           </p:cNvPr>
@@ -1808,7 +1808,7 @@
           <a:bodyPr/>
           <a:lstStyle/>
           <a:p>
-            <a:fld id="{E7F42EB3-182D-445D-BC3F-D6C843DD0C2A}" type="datetimeFigureOut">
+            <a:fld id="{95B4D13E-EA07-405C-A882-0DECE759809E}" type="datetimeFigureOut">
               <a:rPr lang="zh-CN" altLang="en-US" smtClean="0"/>
               <a:t>2024/3/10</a:t>
             </a:fld>
@@ -1821,7 +1821,7 @@
           <p:cNvPr id="8" name="页脚占位符 7">
             <a:extLst>
               <a:ext uri="{FF2B5EF4-FFF2-40B4-BE49-F238E27FC236}">
-                <a16:creationId xmlns:a16="http://schemas.microsoft.com/office/drawing/2014/main" id="{89173937-57E1-811E-746E-F544207FF11C}"/>
+                <a16:creationId xmlns:a16="http://schemas.microsoft.com/office/drawing/2014/main" id="{A87289B6-966F-7725-95BE-CDD04C024A00}"/>
               </a:ext>
             </a:extLst>
           </p:cNvPr>
@@ -1846,7 +1846,7 @@
           <p:cNvPr id="9" name="灯片编号占位符 8">
             <a:extLst>
               <a:ext uri="{FF2B5EF4-FFF2-40B4-BE49-F238E27FC236}">
-                <a16:creationId xmlns:a16="http://schemas.microsoft.com/office/drawing/2014/main" id="{70ED8027-B62F-9C21-A199-295A516E5FBF}"/>
+                <a16:creationId xmlns:a16="http://schemas.microsoft.com/office/drawing/2014/main" id="{A139E10C-4A4E-005E-817F-BA49802E1808}"/>
               </a:ext>
             </a:extLst>
           </p:cNvPr>
@@ -1862,7 +1862,7 @@
           <a:bodyPr/>
           <a:lstStyle/>
           <a:p>
-            <a:fld id="{CE28D184-7D20-49E2-9A56-759B304C0EB0}" type="slidenum">
+            <a:fld id="{6F4574D5-AA95-4DF9-A1DF-21574FE7E4BD}" type="slidenum">
               <a:rPr lang="zh-CN" altLang="en-US" smtClean="0"/>
               <a:t>‹#›</a:t>
             </a:fld>
@@ -1873,7 +1873,7 @@
     </p:spTree>
     <p:extLst>
       <p:ext uri="{BB962C8B-B14F-4D97-AF65-F5344CB8AC3E}">
-        <p14:creationId xmlns:p14="http://schemas.microsoft.com/office/powerpoint/2010/main" val="3857364977"/>
+        <p14:creationId xmlns:p14="http://schemas.microsoft.com/office/powerpoint/2010/main" val="1435930075"/>
       </p:ext>
     </p:extLst>
   </p:cSld>
@@ -1905,7 +1905,7 @@
           <p:cNvPr id="2" name="标题 1">
             <a:extLst>
               <a:ext uri="{FF2B5EF4-FFF2-40B4-BE49-F238E27FC236}">
-                <a16:creationId xmlns:a16="http://schemas.microsoft.com/office/drawing/2014/main" id="{83942A1D-3538-25D0-53A8-C43E677D185F}"/>
+                <a16:creationId xmlns:a16="http://schemas.microsoft.com/office/drawing/2014/main" id="{0D64B665-E56A-E0C1-8BAE-10163B4F0702}"/>
               </a:ext>
             </a:extLst>
           </p:cNvPr>
@@ -1933,7 +1933,7 @@
           <p:cNvPr id="3" name="日期占位符 2">
             <a:extLst>
               <a:ext uri="{FF2B5EF4-FFF2-40B4-BE49-F238E27FC236}">
-                <a16:creationId xmlns:a16="http://schemas.microsoft.com/office/drawing/2014/main" id="{3E917022-2188-7454-820D-BF95BCFE9602}"/>
+                <a16:creationId xmlns:a16="http://schemas.microsoft.com/office/drawing/2014/main" id="{03466C6D-D05C-BBE4-A5CA-A93E2BA23457}"/>
               </a:ext>
             </a:extLst>
           </p:cNvPr>
@@ -1949,7 +1949,7 @@
           <a:bodyPr/>
           <a:lstStyle/>
           <a:p>
-            <a:fld id="{E7F42EB3-182D-445D-BC3F-D6C843DD0C2A}" type="datetimeFigureOut">
+            <a:fld id="{95B4D13E-EA07-405C-A882-0DECE759809E}" type="datetimeFigureOut">
               <a:rPr lang="zh-CN" altLang="en-US" smtClean="0"/>
               <a:t>2024/3/10</a:t>
             </a:fld>
@@ -1962,7 +1962,7 @@
           <p:cNvPr id="4" name="页脚占位符 3">
             <a:extLst>
               <a:ext uri="{FF2B5EF4-FFF2-40B4-BE49-F238E27FC236}">
-                <a16:creationId xmlns:a16="http://schemas.microsoft.com/office/drawing/2014/main" id="{7A236318-62C9-3A4D-F557-8D2D58204D7D}"/>
+                <a16:creationId xmlns:a16="http://schemas.microsoft.com/office/drawing/2014/main" id="{68DEC65F-165E-801C-C5BC-9207C0B5B1EC}"/>
               </a:ext>
             </a:extLst>
           </p:cNvPr>
@@ -1987,7 +1987,7 @@
           <p:cNvPr id="5" name="灯片编号占位符 4">
             <a:extLst>
               <a:ext uri="{FF2B5EF4-FFF2-40B4-BE49-F238E27FC236}">
-                <a16:creationId xmlns:a16="http://schemas.microsoft.com/office/drawing/2014/main" id="{30BDB7E3-148D-CB98-96D3-FD81E950AC29}"/>
+                <a16:creationId xmlns:a16="http://schemas.microsoft.com/office/drawing/2014/main" id="{33432A9A-F045-0342-7C6B-6B8D1A29F928}"/>
               </a:ext>
             </a:extLst>
           </p:cNvPr>
@@ -2003,7 +2003,7 @@
           <a:bodyPr/>
           <a:lstStyle/>
           <a:p>
-            <a:fld id="{CE28D184-7D20-49E2-9A56-759B304C0EB0}" type="slidenum">
+            <a:fld id="{6F4574D5-AA95-4DF9-A1DF-21574FE7E4BD}" type="slidenum">
               <a:rPr lang="zh-CN" altLang="en-US" smtClean="0"/>
               <a:t>‹#›</a:t>
             </a:fld>
@@ -2014,7 +2014,7 @@
     </p:spTree>
     <p:extLst>
       <p:ext uri="{BB962C8B-B14F-4D97-AF65-F5344CB8AC3E}">
-        <p14:creationId xmlns:p14="http://schemas.microsoft.com/office/powerpoint/2010/main" val="4289209603"/>
+        <p14:creationId xmlns:p14="http://schemas.microsoft.com/office/powerpoint/2010/main" val="1984644842"/>
       </p:ext>
     </p:extLst>
   </p:cSld>
@@ -2046,7 +2046,7 @@
           <p:cNvPr id="2" name="日期占位符 1">
             <a:extLst>
               <a:ext uri="{FF2B5EF4-FFF2-40B4-BE49-F238E27FC236}">
-                <a16:creationId xmlns:a16="http://schemas.microsoft.com/office/drawing/2014/main" id="{0D5C22EC-EBFD-58C9-13A4-C71CF72BA203}"/>
+                <a16:creationId xmlns:a16="http://schemas.microsoft.com/office/drawing/2014/main" id="{65B7CBD2-B89E-FCE8-C2D1-BEA42EF880E0}"/>
               </a:ext>
             </a:extLst>
           </p:cNvPr>
@@ -2062,7 +2062,7 @@
           <a:bodyPr/>
           <a:lstStyle/>
           <a:p>
-            <a:fld id="{E7F42EB3-182D-445D-BC3F-D6C843DD0C2A}" type="datetimeFigureOut">
+            <a:fld id="{95B4D13E-EA07-405C-A882-0DECE759809E}" type="datetimeFigureOut">
               <a:rPr lang="zh-CN" altLang="en-US" smtClean="0"/>
               <a:t>2024/3/10</a:t>
             </a:fld>
@@ -2075,7 +2075,7 @@
           <p:cNvPr id="3" name="页脚占位符 2">
             <a:extLst>
               <a:ext uri="{FF2B5EF4-FFF2-40B4-BE49-F238E27FC236}">
-                <a16:creationId xmlns:a16="http://schemas.microsoft.com/office/drawing/2014/main" id="{AD41A34F-6554-A305-989A-07EB092051B0}"/>
+                <a16:creationId xmlns:a16="http://schemas.microsoft.com/office/drawing/2014/main" id="{5D228201-B55C-79E4-6F90-F5D390B85EE0}"/>
               </a:ext>
             </a:extLst>
           </p:cNvPr>
@@ -2100,7 +2100,7 @@
           <p:cNvPr id="4" name="灯片编号占位符 3">
             <a:extLst>
               <a:ext uri="{FF2B5EF4-FFF2-40B4-BE49-F238E27FC236}">
-                <a16:creationId xmlns:a16="http://schemas.microsoft.com/office/drawing/2014/main" id="{1CACD1D1-3679-1DD7-1252-70F6457DFB9C}"/>
+                <a16:creationId xmlns:a16="http://schemas.microsoft.com/office/drawing/2014/main" id="{803D6684-1667-2464-1656-D4E1ACC3F9AC}"/>
               </a:ext>
             </a:extLst>
           </p:cNvPr>
@@ -2116,7 +2116,7 @@
           <a:bodyPr/>
           <a:lstStyle/>
           <a:p>
-            <a:fld id="{CE28D184-7D20-49E2-9A56-759B304C0EB0}" type="slidenum">
+            <a:fld id="{6F4574D5-AA95-4DF9-A1DF-21574FE7E4BD}" type="slidenum">
               <a:rPr lang="zh-CN" altLang="en-US" smtClean="0"/>
               <a:t>‹#›</a:t>
             </a:fld>
@@ -2127,7 +2127,7 @@
     </p:spTree>
     <p:extLst>
       <p:ext uri="{BB962C8B-B14F-4D97-AF65-F5344CB8AC3E}">
-        <p14:creationId xmlns:p14="http://schemas.microsoft.com/office/powerpoint/2010/main" val="2540040158"/>
+        <p14:creationId xmlns:p14="http://schemas.microsoft.com/office/powerpoint/2010/main" val="2007793454"/>
       </p:ext>
     </p:extLst>
   </p:cSld>
@@ -2159,7 +2159,7 @@
           <p:cNvPr id="2" name="标题 1">
             <a:extLst>
               <a:ext uri="{FF2B5EF4-FFF2-40B4-BE49-F238E27FC236}">
-                <a16:creationId xmlns:a16="http://schemas.microsoft.com/office/drawing/2014/main" id="{3CCB1056-C7E9-F260-D0DB-9D282BE79358}"/>
+                <a16:creationId xmlns:a16="http://schemas.microsoft.com/office/drawing/2014/main" id="{F63F057C-BAD0-CA40-6257-5AA7E51A3C4F}"/>
               </a:ext>
             </a:extLst>
           </p:cNvPr>
@@ -2196,7 +2196,7 @@
           <p:cNvPr id="3" name="内容占位符 2">
             <a:extLst>
               <a:ext uri="{FF2B5EF4-FFF2-40B4-BE49-F238E27FC236}">
-                <a16:creationId xmlns:a16="http://schemas.microsoft.com/office/drawing/2014/main" id="{B10D59B8-162F-9306-0B0C-ECF5A37F8F0B}"/>
+                <a16:creationId xmlns:a16="http://schemas.microsoft.com/office/drawing/2014/main" id="{A4A9B2E8-9BD0-A795-ADF1-99E66B66072A}"/>
               </a:ext>
             </a:extLst>
           </p:cNvPr>
@@ -2286,7 +2286,7 @@
           <p:cNvPr id="4" name="文本占位符 3">
             <a:extLst>
               <a:ext uri="{FF2B5EF4-FFF2-40B4-BE49-F238E27FC236}">
-                <a16:creationId xmlns:a16="http://schemas.microsoft.com/office/drawing/2014/main" id="{7955C801-1AE3-9D5F-FA54-9531982F763F}"/>
+                <a16:creationId xmlns:a16="http://schemas.microsoft.com/office/drawing/2014/main" id="{90DBA3E5-CECD-92F2-4D29-BB75254C87FD}"/>
               </a:ext>
             </a:extLst>
           </p:cNvPr>
@@ -2357,7 +2357,7 @@
           <p:cNvPr id="5" name="日期占位符 4">
             <a:extLst>
               <a:ext uri="{FF2B5EF4-FFF2-40B4-BE49-F238E27FC236}">
-                <a16:creationId xmlns:a16="http://schemas.microsoft.com/office/drawing/2014/main" id="{B795DE86-0EF4-73D7-6A64-70D516E9BD04}"/>
+                <a16:creationId xmlns:a16="http://schemas.microsoft.com/office/drawing/2014/main" id="{36E2472A-EAD0-DFFF-50C6-2F0ECC00A03D}"/>
               </a:ext>
             </a:extLst>
           </p:cNvPr>
@@ -2373,7 +2373,7 @@
           <a:bodyPr/>
           <a:lstStyle/>
           <a:p>
-            <a:fld id="{E7F42EB3-182D-445D-BC3F-D6C843DD0C2A}" type="datetimeFigureOut">
+            <a:fld id="{95B4D13E-EA07-405C-A882-0DECE759809E}" type="datetimeFigureOut">
               <a:rPr lang="zh-CN" altLang="en-US" smtClean="0"/>
               <a:t>2024/3/10</a:t>
             </a:fld>
@@ -2386,7 +2386,7 @@
           <p:cNvPr id="6" name="页脚占位符 5">
             <a:extLst>
               <a:ext uri="{FF2B5EF4-FFF2-40B4-BE49-F238E27FC236}">
-                <a16:creationId xmlns:a16="http://schemas.microsoft.com/office/drawing/2014/main" id="{AB1973CF-1598-2177-2308-D3DC313270F3}"/>
+                <a16:creationId xmlns:a16="http://schemas.microsoft.com/office/drawing/2014/main" id="{761D3C5B-FEA0-C273-4A3B-33EF75D4AAD2}"/>
               </a:ext>
             </a:extLst>
           </p:cNvPr>
@@ -2411,7 +2411,7 @@
           <p:cNvPr id="7" name="灯片编号占位符 6">
             <a:extLst>
               <a:ext uri="{FF2B5EF4-FFF2-40B4-BE49-F238E27FC236}">
-                <a16:creationId xmlns:a16="http://schemas.microsoft.com/office/drawing/2014/main" id="{17EA779E-4530-608C-8B3E-E2053891E76E}"/>
+                <a16:creationId xmlns:a16="http://schemas.microsoft.com/office/drawing/2014/main" id="{87D44042-8963-5E5F-3446-B4770EDB7DB4}"/>
               </a:ext>
             </a:extLst>
           </p:cNvPr>
@@ -2427,7 +2427,7 @@
           <a:bodyPr/>
           <a:lstStyle/>
           <a:p>
-            <a:fld id="{CE28D184-7D20-49E2-9A56-759B304C0EB0}" type="slidenum">
+            <a:fld id="{6F4574D5-AA95-4DF9-A1DF-21574FE7E4BD}" type="slidenum">
               <a:rPr lang="zh-CN" altLang="en-US" smtClean="0"/>
               <a:t>‹#›</a:t>
             </a:fld>
@@ -2438,7 +2438,7 @@
     </p:spTree>
     <p:extLst>
       <p:ext uri="{BB962C8B-B14F-4D97-AF65-F5344CB8AC3E}">
-        <p14:creationId xmlns:p14="http://schemas.microsoft.com/office/powerpoint/2010/main" val="1532044390"/>
+        <p14:creationId xmlns:p14="http://schemas.microsoft.com/office/powerpoint/2010/main" val="2552004352"/>
       </p:ext>
     </p:extLst>
   </p:cSld>
@@ -2470,7 +2470,7 @@
           <p:cNvPr id="2" name="标题 1">
             <a:extLst>
               <a:ext uri="{FF2B5EF4-FFF2-40B4-BE49-F238E27FC236}">
-                <a16:creationId xmlns:a16="http://schemas.microsoft.com/office/drawing/2014/main" id="{63581B84-964F-841D-E394-C942D58F4578}"/>
+                <a16:creationId xmlns:a16="http://schemas.microsoft.com/office/drawing/2014/main" id="{90334BEE-1319-6B8F-C3E3-EE1880C3166C}"/>
               </a:ext>
             </a:extLst>
           </p:cNvPr>
@@ -2507,7 +2507,7 @@
           <p:cNvPr id="3" name="图片占位符 2">
             <a:extLst>
               <a:ext uri="{FF2B5EF4-FFF2-40B4-BE49-F238E27FC236}">
-                <a16:creationId xmlns:a16="http://schemas.microsoft.com/office/drawing/2014/main" id="{7C01505C-5E2E-998F-2FD8-96C28B5930F8}"/>
+                <a16:creationId xmlns:a16="http://schemas.microsoft.com/office/drawing/2014/main" id="{72FA3E09-8328-3847-34BC-1AFB38730C6D}"/>
               </a:ext>
             </a:extLst>
           </p:cNvPr>
@@ -2574,7 +2574,7 @@
           <p:cNvPr id="4" name="文本占位符 3">
             <a:extLst>
               <a:ext uri="{FF2B5EF4-FFF2-40B4-BE49-F238E27FC236}">
-                <a16:creationId xmlns:a16="http://schemas.microsoft.com/office/drawing/2014/main" id="{2AEF48C4-D6FA-0774-BD1E-D11A89CA78BD}"/>
+                <a16:creationId xmlns:a16="http://schemas.microsoft.com/office/drawing/2014/main" id="{DD4A79F5-35E5-4884-AFB6-C44629034BF6}"/>
               </a:ext>
             </a:extLst>
           </p:cNvPr>
@@ -2645,7 +2645,7 @@
           <p:cNvPr id="5" name="日期占位符 4">
             <a:extLst>
               <a:ext uri="{FF2B5EF4-FFF2-40B4-BE49-F238E27FC236}">
-                <a16:creationId xmlns:a16="http://schemas.microsoft.com/office/drawing/2014/main" id="{9100470F-ED33-0A18-472E-C770D979E2EF}"/>
+                <a16:creationId xmlns:a16="http://schemas.microsoft.com/office/drawing/2014/main" id="{CA352E83-0AEA-075E-3C85-96462E6E7797}"/>
               </a:ext>
             </a:extLst>
           </p:cNvPr>
@@ -2661,7 +2661,7 @@
           <a:bodyPr/>
           <a:lstStyle/>
           <a:p>
-            <a:fld id="{E7F42EB3-182D-445D-BC3F-D6C843DD0C2A}" type="datetimeFigureOut">
+            <a:fld id="{95B4D13E-EA07-405C-A882-0DECE759809E}" type="datetimeFigureOut">
               <a:rPr lang="zh-CN" altLang="en-US" smtClean="0"/>
               <a:t>2024/3/10</a:t>
             </a:fld>
@@ -2674,7 +2674,7 @@
           <p:cNvPr id="6" name="页脚占位符 5">
             <a:extLst>
               <a:ext uri="{FF2B5EF4-FFF2-40B4-BE49-F238E27FC236}">
-                <a16:creationId xmlns:a16="http://schemas.microsoft.com/office/drawing/2014/main" id="{943846BA-87CC-F0A6-E0C6-C64E7FAEF25E}"/>
+                <a16:creationId xmlns:a16="http://schemas.microsoft.com/office/drawing/2014/main" id="{EC5181F0-03E2-F75C-57EC-C9C8BC10599E}"/>
               </a:ext>
             </a:extLst>
           </p:cNvPr>
@@ -2699,7 +2699,7 @@
           <p:cNvPr id="7" name="灯片编号占位符 6">
             <a:extLst>
               <a:ext uri="{FF2B5EF4-FFF2-40B4-BE49-F238E27FC236}">
-                <a16:creationId xmlns:a16="http://schemas.microsoft.com/office/drawing/2014/main" id="{619F8A7A-F581-6EF4-FC11-0D2098BA0E5C}"/>
+                <a16:creationId xmlns:a16="http://schemas.microsoft.com/office/drawing/2014/main" id="{F8A6E0A7-3AEB-3D4C-114C-1236AF4710C9}"/>
               </a:ext>
             </a:extLst>
           </p:cNvPr>
@@ -2715,7 +2715,7 @@
           <a:bodyPr/>
           <a:lstStyle/>
           <a:p>
-            <a:fld id="{CE28D184-7D20-49E2-9A56-759B304C0EB0}" type="slidenum">
+            <a:fld id="{6F4574D5-AA95-4DF9-A1DF-21574FE7E4BD}" type="slidenum">
               <a:rPr lang="zh-CN" altLang="en-US" smtClean="0"/>
               <a:t>‹#›</a:t>
             </a:fld>
@@ -2726,7 +2726,7 @@
     </p:spTree>
     <p:extLst>
       <p:ext uri="{BB962C8B-B14F-4D97-AF65-F5344CB8AC3E}">
-        <p14:creationId xmlns:p14="http://schemas.microsoft.com/office/powerpoint/2010/main" val="4097365830"/>
+        <p14:creationId xmlns:p14="http://schemas.microsoft.com/office/powerpoint/2010/main" val="3715037243"/>
       </p:ext>
     </p:extLst>
   </p:cSld>
@@ -2763,7 +2763,7 @@
           <p:cNvPr id="2" name="标题占位符 1">
             <a:extLst>
               <a:ext uri="{FF2B5EF4-FFF2-40B4-BE49-F238E27FC236}">
-                <a16:creationId xmlns:a16="http://schemas.microsoft.com/office/drawing/2014/main" id="{EEF7C9A0-EB07-8639-CF76-362D3683DA24}"/>
+                <a16:creationId xmlns:a16="http://schemas.microsoft.com/office/drawing/2014/main" id="{7F90377D-4481-F629-2E74-877ED566EDF9}"/>
               </a:ext>
             </a:extLst>
           </p:cNvPr>
@@ -2801,7 +2801,7 @@
           <p:cNvPr id="3" name="文本占位符 2">
             <a:extLst>
               <a:ext uri="{FF2B5EF4-FFF2-40B4-BE49-F238E27FC236}">
-                <a16:creationId xmlns:a16="http://schemas.microsoft.com/office/drawing/2014/main" id="{973EEC36-FAF2-9846-AFB8-E663B1078F25}"/>
+                <a16:creationId xmlns:a16="http://schemas.microsoft.com/office/drawing/2014/main" id="{E43AC6E9-7905-5A09-F1AB-D7CC552228D2}"/>
               </a:ext>
             </a:extLst>
           </p:cNvPr>
@@ -2868,7 +2868,7 @@
           <p:cNvPr id="4" name="日期占位符 3">
             <a:extLst>
               <a:ext uri="{FF2B5EF4-FFF2-40B4-BE49-F238E27FC236}">
-                <a16:creationId xmlns:a16="http://schemas.microsoft.com/office/drawing/2014/main" id="{BA7F4BAF-0ADA-23F8-EAB4-884CACF45058}"/>
+                <a16:creationId xmlns:a16="http://schemas.microsoft.com/office/drawing/2014/main" id="{DB74F7B8-FB01-0315-2D81-7E63093A7FC2}"/>
               </a:ext>
             </a:extLst>
           </p:cNvPr>
@@ -2902,7 +2902,7 @@
             </a:lvl1pPr>
           </a:lstStyle>
           <a:p>
-            <a:fld id="{E7F42EB3-182D-445D-BC3F-D6C843DD0C2A}" type="datetimeFigureOut">
+            <a:fld id="{95B4D13E-EA07-405C-A882-0DECE759809E}" type="datetimeFigureOut">
               <a:rPr lang="zh-CN" altLang="en-US" smtClean="0"/>
               <a:t>2024/3/10</a:t>
             </a:fld>
@@ -2915,7 +2915,7 @@
           <p:cNvPr id="5" name="页脚占位符 4">
             <a:extLst>
               <a:ext uri="{FF2B5EF4-FFF2-40B4-BE49-F238E27FC236}">
-                <a16:creationId xmlns:a16="http://schemas.microsoft.com/office/drawing/2014/main" id="{B3902D61-DFD0-0E6F-8D7B-A31C18173039}"/>
+                <a16:creationId xmlns:a16="http://schemas.microsoft.com/office/drawing/2014/main" id="{A4E05E72-C3FE-17B1-2E77-7AF4D699BE8E}"/>
               </a:ext>
             </a:extLst>
           </p:cNvPr>
@@ -2958,7 +2958,7 @@
           <p:cNvPr id="6" name="灯片编号占位符 5">
             <a:extLst>
               <a:ext uri="{FF2B5EF4-FFF2-40B4-BE49-F238E27FC236}">
-                <a16:creationId xmlns:a16="http://schemas.microsoft.com/office/drawing/2014/main" id="{3D494E63-9AEB-4925-4997-CA1B8D63894E}"/>
+                <a16:creationId xmlns:a16="http://schemas.microsoft.com/office/drawing/2014/main" id="{DE01D3F3-5BB6-5AF7-D3F5-159A316ABE33}"/>
               </a:ext>
             </a:extLst>
           </p:cNvPr>
@@ -2992,7 +2992,7 @@
             </a:lvl1pPr>
           </a:lstStyle>
           <a:p>
-            <a:fld id="{CE28D184-7D20-49E2-9A56-759B304C0EB0}" type="slidenum">
+            <a:fld id="{6F4574D5-AA95-4DF9-A1DF-21574FE7E4BD}" type="slidenum">
               <a:rPr lang="zh-CN" altLang="en-US" smtClean="0"/>
               <a:t>‹#›</a:t>
             </a:fld>
@@ -3003,7 +3003,7 @@
     </p:spTree>
     <p:extLst>
       <p:ext uri="{BB962C8B-B14F-4D97-AF65-F5344CB8AC3E}">
-        <p14:creationId xmlns:p14="http://schemas.microsoft.com/office/powerpoint/2010/main" val="3046230783"/>
+        <p14:creationId xmlns:p14="http://schemas.microsoft.com/office/powerpoint/2010/main" val="822847932"/>
       </p:ext>
     </p:extLst>
   </p:cSld>
@@ -3323,7 +3323,7 @@
       </p:grpSpPr>
       <p:pic>
         <p:nvPicPr>
-          <p:cNvPr id="460802" name="Picture 2" descr="449"/>
+          <p:cNvPr id="461826" name="Picture 2" descr="450"/>
           <p:cNvPicPr>
             <a:picLocks noChangeAspect="1" noChangeArrowheads="1"/>
           </p:cNvPicPr>
